--- a/presentation/euro_python_pmack_2015.pptx
+++ b/presentation/euro_python_pmack_2015.pptx
@@ -306,7 +306,7 @@
           <a:p>
             <a:fld id="{8E45193D-DC84-4463-BDD1-3AAFBD7CEB49}" type="datetimeFigureOut">
               <a:rPr lang="de-DE" smtClean="0"/>
-              <a:t>12.07.2015</a:t>
+              <a:t>14.07.2015</a:t>
             </a:fld>
             <a:endParaRPr lang="de-DE"/>
           </a:p>
@@ -476,7 +476,7 @@
           <a:p>
             <a:fld id="{8E45193D-DC84-4463-BDD1-3AAFBD7CEB49}" type="datetimeFigureOut">
               <a:rPr lang="de-DE" smtClean="0"/>
-              <a:t>12.07.2015</a:t>
+              <a:t>14.07.2015</a:t>
             </a:fld>
             <a:endParaRPr lang="de-DE"/>
           </a:p>
@@ -656,7 +656,7 @@
           <a:p>
             <a:fld id="{8E45193D-DC84-4463-BDD1-3AAFBD7CEB49}" type="datetimeFigureOut">
               <a:rPr lang="de-DE" smtClean="0"/>
-              <a:t>12.07.2015</a:t>
+              <a:t>14.07.2015</a:t>
             </a:fld>
             <a:endParaRPr lang="de-DE"/>
           </a:p>
@@ -999,7 +999,7 @@
           <a:p>
             <a:fld id="{8E45193D-DC84-4463-BDD1-3AAFBD7CEB49}" type="datetimeFigureOut">
               <a:rPr lang="de-DE" smtClean="0"/>
-              <a:t>12.07.2015</a:t>
+              <a:t>14.07.2015</a:t>
             </a:fld>
             <a:endParaRPr lang="de-DE"/>
           </a:p>
@@ -1245,7 +1245,7 @@
           <a:p>
             <a:fld id="{8E45193D-DC84-4463-BDD1-3AAFBD7CEB49}" type="datetimeFigureOut">
               <a:rPr lang="de-DE" smtClean="0"/>
-              <a:t>12.07.2015</a:t>
+              <a:t>14.07.2015</a:t>
             </a:fld>
             <a:endParaRPr lang="de-DE"/>
           </a:p>
@@ -1533,7 +1533,7 @@
           <a:p>
             <a:fld id="{8E45193D-DC84-4463-BDD1-3AAFBD7CEB49}" type="datetimeFigureOut">
               <a:rPr lang="de-DE" smtClean="0"/>
-              <a:t>12.07.2015</a:t>
+              <a:t>14.07.2015</a:t>
             </a:fld>
             <a:endParaRPr lang="de-DE"/>
           </a:p>
@@ -1955,7 +1955,7 @@
           <a:p>
             <a:fld id="{8E45193D-DC84-4463-BDD1-3AAFBD7CEB49}" type="datetimeFigureOut">
               <a:rPr lang="de-DE" smtClean="0"/>
-              <a:t>12.07.2015</a:t>
+              <a:t>14.07.2015</a:t>
             </a:fld>
             <a:endParaRPr lang="de-DE"/>
           </a:p>
@@ -2073,7 +2073,7 @@
           <a:p>
             <a:fld id="{8E45193D-DC84-4463-BDD1-3AAFBD7CEB49}" type="datetimeFigureOut">
               <a:rPr lang="de-DE" smtClean="0"/>
-              <a:t>12.07.2015</a:t>
+              <a:t>14.07.2015</a:t>
             </a:fld>
             <a:endParaRPr lang="de-DE"/>
           </a:p>
@@ -2168,7 +2168,7 @@
           <a:p>
             <a:fld id="{8E45193D-DC84-4463-BDD1-3AAFBD7CEB49}" type="datetimeFigureOut">
               <a:rPr lang="de-DE" smtClean="0"/>
-              <a:t>12.07.2015</a:t>
+              <a:t>14.07.2015</a:t>
             </a:fld>
             <a:endParaRPr lang="de-DE"/>
           </a:p>
@@ -2445,7 +2445,7 @@
           <a:p>
             <a:fld id="{8E45193D-DC84-4463-BDD1-3AAFBD7CEB49}" type="datetimeFigureOut">
               <a:rPr lang="de-DE" smtClean="0"/>
-              <a:t>12.07.2015</a:t>
+              <a:t>14.07.2015</a:t>
             </a:fld>
             <a:endParaRPr lang="de-DE"/>
           </a:p>
@@ -2698,7 +2698,7 @@
           <a:p>
             <a:fld id="{8E45193D-DC84-4463-BDD1-3AAFBD7CEB49}" type="datetimeFigureOut">
               <a:rPr lang="de-DE" smtClean="0"/>
-              <a:t>12.07.2015</a:t>
+              <a:t>14.07.2015</a:t>
             </a:fld>
             <a:endParaRPr lang="de-DE"/>
           </a:p>
@@ -2911,7 +2911,7 @@
           <a:p>
             <a:fld id="{8E45193D-DC84-4463-BDD1-3AAFBD7CEB49}" type="datetimeFigureOut">
               <a:rPr lang="de-DE" smtClean="0"/>
-              <a:t>12.07.2015</a:t>
+              <a:t>14.07.2015</a:t>
             </a:fld>
             <a:endParaRPr lang="de-DE"/>
           </a:p>
@@ -3522,7 +3522,6 @@
               <a:rPr lang="de-DE" dirty="0" smtClean="0"/>
               <a:t> =&gt; O_0 = D_1 – S_1 – I_1 = D_1</a:t>
             </a:r>
-            <a:endParaRPr lang="de-DE" dirty="0" smtClean="0"/>
           </a:p>
           <a:p>
             <a:pPr marL="0" indent="0">
@@ -3858,11 +3857,7 @@
           <a:p>
             <a:r>
               <a:rPr lang="de-DE" dirty="0" smtClean="0"/>
-              <a:t>ORDER </a:t>
-            </a:r>
-            <a:r>
-              <a:rPr lang="de-DE" dirty="0" smtClean="0"/>
-              <a:t>CALCULATION</a:t>
+              <a:t>ORDER CALCULATION</a:t>
             </a:r>
           </a:p>
           <a:p>
@@ -5576,11 +5571,7 @@
             </a:r>
             <a:r>
               <a:rPr lang="de-DE" dirty="0" smtClean="0"/>
-              <a:t> </a:t>
-            </a:r>
-            <a:r>
-              <a:rPr lang="de-DE" dirty="0" smtClean="0"/>
-              <a:t>time </a:t>
+              <a:t> time </a:t>
             </a:r>
             <a:r>
               <a:rPr lang="de-DE" dirty="0" err="1" smtClean="0"/>
@@ -5777,16 +5768,12 @@
               <a:t> </a:t>
             </a:r>
             <a:r>
-              <a:rPr lang="de-DE" smtClean="0"/>
+              <a:rPr lang="de-DE" dirty="0" err="1" smtClean="0"/>
               <a:t>minimize</a:t>
             </a:r>
             <a:r>
               <a:rPr lang="de-DE" dirty="0" smtClean="0"/>
-              <a:t>  </a:t>
-            </a:r>
-            <a:r>
-              <a:rPr lang="de-DE" dirty="0" smtClean="0"/>
-              <a:t>out-</a:t>
+              <a:t>  out-</a:t>
             </a:r>
             <a:r>
               <a:rPr lang="de-DE" dirty="0" err="1" smtClean="0"/>
@@ -6040,13 +6027,8 @@
             <a:pPr lvl="1"/>
             <a:r>
               <a:rPr lang="de-DE" dirty="0" smtClean="0"/>
-              <a:t>Simulation </a:t>
-            </a:r>
-            <a:r>
-              <a:rPr lang="de-DE" dirty="0" smtClean="0"/>
-              <a:t>Module</a:t>
-            </a:r>
-            <a:endParaRPr lang="de-DE" dirty="0" smtClean="0"/>
+              <a:t>Simulation Module</a:t>
+            </a:r>
           </a:p>
           <a:p>
             <a:pPr lvl="1"/>
@@ -6160,7 +6142,6 @@
               <a:rPr lang="de-DE" dirty="0" smtClean="0"/>
               <a:t>   </a:t>
             </a:r>
-            <a:endParaRPr lang="de-DE" dirty="0" smtClean="0"/>
           </a:p>
         </p:txBody>
       </p:sp>
